--- a/cyber.pptx
+++ b/cyber.pptx
@@ -252,7 +252,7 @@
   </p:defaultTextStyle>
   <p:extLst>
     <p:ext uri="{EFAFB233-063F-42B5-8137-9DF3F51BA10A}">
-      <p15:sldGuideLst xmlns:p15="http://schemas.microsoft.com/office/powerpoint/2012/main" xmlns="">
+      <p15:sldGuideLst xmlns="" xmlns:p15="http://schemas.microsoft.com/office/powerpoint/2012/main">
         <p15:guide id="1" orient="horz" pos="1620">
           <p15:clr>
             <a:srgbClr val="A4A3A4"/>
@@ -6214,7 +6214,7 @@
           <a:noFill/>
           <a:extLst>
             <a:ext uri="{909E8E84-426E-40DD-AFC4-6F175D3DCCD1}">
-              <a14:hiddenFill xmlns:a14="http://schemas.microsoft.com/office/drawing/2010/main" xmlns="">
+              <a14:hiddenFill xmlns="" xmlns:a14="http://schemas.microsoft.com/office/drawing/2010/main">
                 <a:solidFill>
                   <a:srgbClr val="FFFFFF"/>
                 </a:solidFill>
@@ -6860,7 +6860,31 @@
                 <a:cs typeface="Proxima Nova"/>
                 <a:sym typeface="Proxima Nova"/>
               </a:rPr>
-              <a:t>Tiffany is a high school senior from Alabama, USA. Loving everything in STEM from her participation in FIRST Roboics to CyberPatriot, she is a champion of computer educaiton advocacy and is contiously working for the betterment of access to the field. </a:t>
+              <a:t>Tiffany is a high school senior from Alabama, USA. Loving everything in STEM from her participation in FIRST Roboics to CyberPatriot, she is a champion of computer </a:t>
+            </a:r>
+            <a:r>
+              <a:rPr lang="en" sz="1500" dirty="0" smtClean="0">
+                <a:solidFill>
+                  <a:srgbClr val="FFFFFF"/>
+                </a:solidFill>
+                <a:latin typeface="Proxima Nova"/>
+                <a:ea typeface="Proxima Nova"/>
+                <a:cs typeface="Proxima Nova"/>
+                <a:sym typeface="Proxima Nova"/>
+              </a:rPr>
+              <a:t>education </a:t>
+            </a:r>
+            <a:r>
+              <a:rPr lang="en" sz="1500" dirty="0">
+                <a:solidFill>
+                  <a:srgbClr val="FFFFFF"/>
+                </a:solidFill>
+                <a:latin typeface="Proxima Nova"/>
+                <a:ea typeface="Proxima Nova"/>
+                <a:cs typeface="Proxima Nova"/>
+                <a:sym typeface="Proxima Nova"/>
+              </a:rPr>
+              <a:t>advocacy and is contiously working for the betterment of access to the field. </a:t>
             </a:r>
           </a:p>
         </p:txBody>
